--- a/slides/OSL640-Week9.pptx
+++ b/slides/OSL640-Week9.pptx
@@ -339,7 +339,7 @@
           <a:p>
             <a:fld id="{92107E4A-59D9-C648-BC62-133DA4EC414F}" type="datetimeFigureOut">
               <a:rPr lang="en-US" smtClean="0"/>
-              <a:t>9/6/2021</a:t>
+              <a:t>8/4/2023</a:t>
             </a:fld>
             <a:endParaRPr lang="en-US"/>
           </a:p>
@@ -829,7 +829,7 @@
           <a:p>
             <a:fld id="{4AB1357F-A277-7442-BEE7-4FE250216E54}" type="datetimeFigureOut">
               <a:rPr lang="en-US" smtClean="0"/>
-              <a:t>9/6/2021</a:t>
+              <a:t>8/4/2023</a:t>
             </a:fld>
             <a:endParaRPr lang="en-US"/>
           </a:p>
@@ -1040,7 +1040,7 @@
           <a:p>
             <a:fld id="{4AB1357F-A277-7442-BEE7-4FE250216E54}" type="datetimeFigureOut">
               <a:rPr lang="en-US" smtClean="0"/>
-              <a:t>9/6/2021</a:t>
+              <a:t>8/4/2023</a:t>
             </a:fld>
             <a:endParaRPr lang="en-US"/>
           </a:p>
@@ -1255,7 +1255,7 @@
           <a:p>
             <a:fld id="{4AB1357F-A277-7442-BEE7-4FE250216E54}" type="datetimeFigureOut">
               <a:rPr lang="en-US" smtClean="0"/>
-              <a:t>9/6/2021</a:t>
+              <a:t>8/4/2023</a:t>
             </a:fld>
             <a:endParaRPr lang="en-US"/>
           </a:p>
@@ -1456,7 +1456,7 @@
           <a:p>
             <a:fld id="{4AB1357F-A277-7442-BEE7-4FE250216E54}" type="datetimeFigureOut">
               <a:rPr lang="en-US" smtClean="0"/>
-              <a:t>9/6/2021</a:t>
+              <a:t>8/4/2023</a:t>
             </a:fld>
             <a:endParaRPr lang="en-US"/>
           </a:p>
@@ -1735,7 +1735,7 @@
           <a:p>
             <a:fld id="{4AB1357F-A277-7442-BEE7-4FE250216E54}" type="datetimeFigureOut">
               <a:rPr lang="en-US" smtClean="0"/>
-              <a:t>9/6/2021</a:t>
+              <a:t>8/4/2023</a:t>
             </a:fld>
             <a:endParaRPr lang="en-US"/>
           </a:p>
@@ -2003,7 +2003,7 @@
           <a:p>
             <a:fld id="{4AB1357F-A277-7442-BEE7-4FE250216E54}" type="datetimeFigureOut">
               <a:rPr lang="en-US" smtClean="0"/>
-              <a:t>9/6/2021</a:t>
+              <a:t>8/4/2023</a:t>
             </a:fld>
             <a:endParaRPr lang="en-US"/>
           </a:p>
@@ -2419,7 +2419,7 @@
           <a:p>
             <a:fld id="{4AB1357F-A277-7442-BEE7-4FE250216E54}" type="datetimeFigureOut">
               <a:rPr lang="en-US" smtClean="0"/>
-              <a:t>9/6/2021</a:t>
+              <a:t>8/4/2023</a:t>
             </a:fld>
             <a:endParaRPr lang="en-US"/>
           </a:p>
@@ -2568,7 +2568,7 @@
           <a:p>
             <a:fld id="{4AB1357F-A277-7442-BEE7-4FE250216E54}" type="datetimeFigureOut">
               <a:rPr lang="en-US" smtClean="0"/>
-              <a:t>9/6/2021</a:t>
+              <a:t>8/4/2023</a:t>
             </a:fld>
             <a:endParaRPr lang="en-US"/>
           </a:p>
@@ -2694,7 +2694,7 @@
           <a:p>
             <a:fld id="{4AB1357F-A277-7442-BEE7-4FE250216E54}" type="datetimeFigureOut">
               <a:rPr lang="en-US" smtClean="0"/>
-              <a:t>9/6/2021</a:t>
+              <a:t>8/4/2023</a:t>
             </a:fld>
             <a:endParaRPr lang="en-US"/>
           </a:p>
@@ -2945,7 +2945,7 @@
           <a:p>
             <a:fld id="{4AB1357F-A277-7442-BEE7-4FE250216E54}" type="datetimeFigureOut">
               <a:rPr lang="en-US" smtClean="0"/>
-              <a:t>9/6/2021</a:t>
+              <a:t>8/4/2023</a:t>
             </a:fld>
             <a:endParaRPr lang="en-US"/>
           </a:p>
@@ -3390,7 +3390,7 @@
           <a:p>
             <a:fld id="{4AB1357F-A277-7442-BEE7-4FE250216E54}" type="datetimeFigureOut">
               <a:rPr lang="en-US" smtClean="0"/>
-              <a:t>9/6/2021</a:t>
+              <a:t>8/4/2023</a:t>
             </a:fld>
             <a:endParaRPr lang="en-US"/>
           </a:p>
@@ -3717,7 +3717,7 @@
           <a:p>
             <a:fld id="{4AB1357F-A277-7442-BEE7-4FE250216E54}" type="datetimeFigureOut">
               <a:rPr lang="en-US" smtClean="0"/>
-              <a:t>9/6/2021</a:t>
+              <a:t>8/4/2023</a:t>
             </a:fld>
             <a:endParaRPr lang="en-US"/>
           </a:p>
@@ -8540,7 +8540,7 @@
           <a:p>
             <a:pPr lvl="1"/>
             <a:r>
-              <a:rPr lang="en-CA" sz="2000" dirty="0">
+              <a:rPr lang="en-CA" dirty="0">
                 <a:hlinkClick r:id="rId3"/>
               </a:rPr>
               <a:t>LINUX PRACTICE QUESTIONS</a:t>
@@ -9037,7 +9037,7 @@
         </p:spPr>
         <p:txBody>
           <a:bodyPr>
-            <a:normAutofit fontScale="92500" lnSpcReduction="10000"/>
+            <a:normAutofit/>
           </a:bodyPr>
           <a:lstStyle/>
           <a:p>
@@ -9219,39 +9219,6 @@
               <a:rPr lang="en-US" dirty="0"/>
               <a:t>)</a:t>
             </a:r>
-            <a:br>
-              <a:rPr lang="en-US" dirty="0"/>
-            </a:br>
-            <a:endParaRPr lang="en-US" dirty="0"/>
-          </a:p>
-          <a:p>
-            <a:pPr marL="0" indent="0">
-              <a:buNone/>
-            </a:pPr>
-            <a:r>
-              <a:rPr lang="en-US" b="1" dirty="0"/>
-              <a:t>Complete Assignment #2 (Due Friday at midnight)</a:t>
-            </a:r>
-            <a:br>
-              <a:rPr lang="en-US" b="1" dirty="0"/>
-            </a:br>
-            <a:r>
-              <a:rPr lang="en-US" b="1" dirty="0"/>
-              <a:t>Work on Assignment #3 (</a:t>
-            </a:r>
-            <a:r>
-              <a:rPr lang="en-US" dirty="0"/>
-              <a:t>Section 1: </a:t>
-            </a:r>
-            <a:r>
-              <a:rPr lang="en-CA" dirty="0"/>
-              <a:t>Regular Expressions Using grep)</a:t>
-            </a:r>
-          </a:p>
-          <a:p>
-            <a:pPr marL="0" indent="0">
-              <a:buNone/>
-            </a:pPr>
             <a:endParaRPr lang="en-US" b="1" dirty="0"/>
           </a:p>
           <a:p>
@@ -9591,55 +9558,6 @@
                                           <p:spTgt spid="3">
                                             <p:txEl>
                                               <p:pRg st="8" end="8"/>
-                                            </p:txEl>
-                                          </p:spTgt>
-                                        </p:tgtEl>
-                                        <p:attrNameLst>
-                                          <p:attrName>style.visibility</p:attrName>
-                                        </p:attrNameLst>
-                                      </p:cBhvr>
-                                      <p:to>
-                                        <p:strVal val="visible"/>
-                                      </p:to>
-                                    </p:set>
-                                  </p:childTnLst>
-                                </p:cTn>
-                              </p:par>
-                            </p:childTnLst>
-                          </p:cTn>
-                        </p:par>
-                      </p:childTnLst>
-                    </p:cTn>
-                  </p:par>
-                  <p:par>
-                    <p:cTn id="27" fill="hold">
-                      <p:stCondLst>
-                        <p:cond delay="indefinite"/>
-                      </p:stCondLst>
-                      <p:childTnLst>
-                        <p:par>
-                          <p:cTn id="28" fill="hold">
-                            <p:stCondLst>
-                              <p:cond delay="0"/>
-                            </p:stCondLst>
-                            <p:childTnLst>
-                              <p:par>
-                                <p:cTn id="29" presetID="1" presetClass="entr" presetSubtype="0" fill="hold" grpId="0" nodeType="clickEffect">
-                                  <p:stCondLst>
-                                    <p:cond delay="0"/>
-                                  </p:stCondLst>
-                                  <p:childTnLst>
-                                    <p:set>
-                                      <p:cBhvr>
-                                        <p:cTn id="30" dur="1" fill="hold">
-                                          <p:stCondLst>
-                                            <p:cond delay="0"/>
-                                          </p:stCondLst>
-                                        </p:cTn>
-                                        <p:tgtEl>
-                                          <p:spTgt spid="3">
-                                            <p:txEl>
-                                              <p:pRg st="9" end="9"/>
                                             </p:txEl>
                                           </p:spTgt>
                                         </p:tgtEl>
@@ -16452,7 +16370,7 @@
           <a:p>
             <a:pPr lvl="1"/>
             <a:r>
-              <a:rPr lang="en-CA" sz="2000" dirty="0">
+              <a:rPr lang="en-CA" dirty="0">
                 <a:hlinkClick r:id="rId4"/>
               </a:rPr>
               <a:t>LINUX PRACTICE QUESTIONS</a:t>
@@ -20822,6 +20740,14 @@
 </file>
 
 <file path=customXml/item1.xml><?xml version="1.0" encoding="utf-8"?>
+<p:properties xmlns:p="http://schemas.microsoft.com/office/2006/metadata/properties" xmlns:xsi="http://www.w3.org/2001/XMLSchema-instance" xmlns:pc="http://schemas.microsoft.com/office/infopath/2007/PartnerControls">
+  <documentManagement>
+    <Topic xmlns="83d6e24e-72d9-475f-86bc-baec43385f3c" xsi:nil="true"/>
+  </documentManagement>
+</p:properties>
+</file>
+
+<file path=customXml/item2.xml><?xml version="1.0" encoding="utf-8"?>
 <ct:contentTypeSchema xmlns:ct="http://schemas.microsoft.com/office/2006/metadata/contentType" xmlns:ma="http://schemas.microsoft.com/office/2006/metadata/properties/metaAttributes" ct:_="" ma:_="" ma:contentTypeName="Document" ma:contentTypeID="0x01010056452DA2941485459CFE4F1403BD78A3" ma:contentTypeVersion="9" ma:contentTypeDescription="Create a new document." ma:contentTypeScope="" ma:versionID="357b321f808c3dafe873831e74252754">
   <xsd:schema xmlns:xsd="http://www.w3.org/2001/XMLSchema" xmlns:xs="http://www.w3.org/2001/XMLSchema" xmlns:p="http://schemas.microsoft.com/office/2006/metadata/properties" xmlns:ns2="83d6e24e-72d9-475f-86bc-baec43385f3c" targetNamespace="http://schemas.microsoft.com/office/2006/metadata/properties" ma:root="true" ma:fieldsID="420a8f89f5a6e51c7100d689e8b47153" ns2:_="">
     <xsd:import namespace="83d6e24e-72d9-475f-86bc-baec43385f3c"/>
@@ -21001,14 +20927,6 @@
 </ct:contentTypeSchema>
 </file>
 
-<file path=customXml/item2.xml><?xml version="1.0" encoding="utf-8"?>
-<p:properties xmlns:p="http://schemas.microsoft.com/office/2006/metadata/properties" xmlns:xsi="http://www.w3.org/2001/XMLSchema-instance" xmlns:pc="http://schemas.microsoft.com/office/infopath/2007/PartnerControls">
-  <documentManagement>
-    <Topic xmlns="83d6e24e-72d9-475f-86bc-baec43385f3c" xsi:nil="true"/>
-  </documentManagement>
-</p:properties>
-</file>
-
 <file path=customXml/item3.xml><?xml version="1.0" encoding="utf-8"?>
 <?mso-contentType ?>
 <FormTemplates xmlns="http://schemas.microsoft.com/sharepoint/v3/contenttype/forms">
@@ -21019,6 +20937,22 @@
 </file>
 
 <file path=customXml/itemProps1.xml><?xml version="1.0" encoding="utf-8"?>
+<ds:datastoreItem xmlns:ds="http://schemas.openxmlformats.org/officeDocument/2006/customXml" ds:itemID="{AA17A9CF-F845-4B88-8A0C-609F86062F02}">
+  <ds:schemaRefs>
+    <ds:schemaRef ds:uri="http://purl.org/dc/elements/1.1/"/>
+    <ds:schemaRef ds:uri="http://schemas.microsoft.com/office/2006/documentManagement/types"/>
+    <ds:schemaRef ds:uri="83d6e24e-72d9-475f-86bc-baec43385f3c"/>
+    <ds:schemaRef ds:uri="http://schemas.microsoft.com/office/infopath/2007/PartnerControls"/>
+    <ds:schemaRef ds:uri="http://www.w3.org/XML/1998/namespace"/>
+    <ds:schemaRef ds:uri="http://purl.org/dc/terms/"/>
+    <ds:schemaRef ds:uri="http://schemas.openxmlformats.org/package/2006/metadata/core-properties"/>
+    <ds:schemaRef ds:uri="http://schemas.microsoft.com/office/2006/metadata/properties"/>
+    <ds:schemaRef ds:uri="http://purl.org/dc/dcmitype/"/>
+  </ds:schemaRefs>
+</ds:datastoreItem>
+</file>
+
+<file path=customXml/itemProps2.xml><?xml version="1.0" encoding="utf-8"?>
 <ds:datastoreItem xmlns:ds="http://schemas.openxmlformats.org/officeDocument/2006/customXml" ds:itemID="{6F7D1B52-B02B-453D-8157-B7E14D488929}">
   <ds:schemaRefs>
     <ds:schemaRef ds:uri="http://schemas.microsoft.com/office/2006/metadata/contentType"/>
@@ -21036,22 +20970,6 @@
 </ds:datastoreItem>
 </file>
 
-<file path=customXml/itemProps2.xml><?xml version="1.0" encoding="utf-8"?>
-<ds:datastoreItem xmlns:ds="http://schemas.openxmlformats.org/officeDocument/2006/customXml" ds:itemID="{AA17A9CF-F845-4B88-8A0C-609F86062F02}">
-  <ds:schemaRefs>
-    <ds:schemaRef ds:uri="http://purl.org/dc/elements/1.1/"/>
-    <ds:schemaRef ds:uri="http://schemas.microsoft.com/office/2006/documentManagement/types"/>
-    <ds:schemaRef ds:uri="83d6e24e-72d9-475f-86bc-baec43385f3c"/>
-    <ds:schemaRef ds:uri="http://schemas.microsoft.com/office/infopath/2007/PartnerControls"/>
-    <ds:schemaRef ds:uri="http://www.w3.org/XML/1998/namespace"/>
-    <ds:schemaRef ds:uri="http://purl.org/dc/terms/"/>
-    <ds:schemaRef ds:uri="http://schemas.openxmlformats.org/package/2006/metadata/core-properties"/>
-    <ds:schemaRef ds:uri="http://schemas.microsoft.com/office/2006/metadata/properties"/>
-    <ds:schemaRef ds:uri="http://purl.org/dc/dcmitype/"/>
-  </ds:schemaRefs>
-</ds:datastoreItem>
-</file>
-
 <file path=customXml/itemProps3.xml><?xml version="1.0" encoding="utf-8"?>
 <ds:datastoreItem xmlns:ds="http://schemas.openxmlformats.org/officeDocument/2006/customXml" ds:itemID="{88FE6135-C0C4-4EFF-AE56-62724F225965}">
   <ds:schemaRefs>
